--- a/HDR_using_CNN.pptx
+++ b/HDR_using_CNN.pptx
@@ -2327,10 +2327,6 @@
               </a:rPr>
               <a:t>-CONT.</a:t>
             </a:r>
-            <a:endParaRPr lang="en-US" sz="4250" b="1" spc="5" dirty="0" smtClean="0">
-              <a:latin typeface="Trebuchet MS"/>
-              <a:cs typeface="Trebuchet MS"/>
-            </a:endParaRPr>
           </a:p>
           <a:p>
             <a:endParaRPr lang="en-US" sz="4800" b="1" spc="5" dirty="0">
@@ -2348,17 +2344,8 @@
               <a:rPr lang="en-US" sz="2400" dirty="0" smtClean="0">
                 <a:latin typeface="Trebuchet MS" pitchFamily="34" charset="0"/>
               </a:rPr>
-              <a:t> Load the MNIST dataset, which contains 28x28 grayscale images of handwritten digits (0-9). Preprocess the images by scaling the pixel values to a range of 0 to 1 and reshaping them to the required input shape for the CNN</a:t>
-            </a:r>
-            <a:r>
-              <a:rPr lang="en-US" sz="2400" dirty="0" smtClean="0">
-                <a:latin typeface="Trebuchet MS" pitchFamily="34" charset="0"/>
-              </a:rPr>
-              <a:t>.</a:t>
-            </a:r>
-            <a:endParaRPr lang="en-US" sz="2400" dirty="0" smtClean="0">
-              <a:latin typeface="Trebuchet MS" pitchFamily="34" charset="0"/>
-            </a:endParaRPr>
+              <a:t> Load the MNIST dataset, which contains 28x28 grayscale images of handwritten digits (0-9). Preprocess the images by scaling the pixel values to a range of 0 to 1 and reshaping them to the required input shape for the CNN.</a:t>
+            </a:r>
           </a:p>
           <a:p>
             <a:r>
@@ -2395,17 +2382,8 @@
               <a:rPr lang="en-US" sz="2400" dirty="0" smtClean="0">
                 <a:latin typeface="Trebuchet MS" pitchFamily="34" charset="0"/>
               </a:rPr>
-              <a:t> layers use filters to extract features from the input images, while pooling layers reduce the spatial dimensions. Fully connected layers perform the final classification based on the extracted features</a:t>
-            </a:r>
-            <a:r>
-              <a:rPr lang="en-US" sz="2400" dirty="0" smtClean="0">
-                <a:latin typeface="Trebuchet MS" pitchFamily="34" charset="0"/>
-              </a:rPr>
-              <a:t>.</a:t>
-            </a:r>
-            <a:endParaRPr lang="en-US" sz="2400" dirty="0" smtClean="0">
-              <a:latin typeface="Trebuchet MS" pitchFamily="34" charset="0"/>
-            </a:endParaRPr>
+              <a:t> layers use filters to extract features from the input images, while pooling layers reduce the spatial dimensions. Fully connected layers perform the final classification based on the extracted features.</a:t>
+            </a:r>
           </a:p>
           <a:p>
             <a:r>
@@ -2654,10 +2632,6 @@
               </a:rPr>
               <a:t>-CONT.</a:t>
             </a:r>
-            <a:endParaRPr lang="en-US" sz="4250" b="1" spc="5" dirty="0" smtClean="0">
-              <a:latin typeface="Trebuchet MS"/>
-              <a:cs typeface="Trebuchet MS"/>
-            </a:endParaRPr>
           </a:p>
           <a:p>
             <a:endParaRPr lang="en-US" sz="4800" b="1" spc="5" dirty="0">
@@ -2918,27 +2892,7 @@
             </a:r>
             <a:r>
               <a:rPr lang="en-US" sz="2350" b="0" dirty="0" smtClean="0"/>
-              <a:t> </a:t>
-            </a:r>
-            <a:r>
-              <a:rPr lang="en-US" sz="2350" b="0" dirty="0" smtClean="0"/>
-              <a:t>Neural </a:t>
-            </a:r>
-            <a:r>
-              <a:rPr lang="en-US" sz="2350" b="0" dirty="0" smtClean="0"/>
-              <a:t>Network (CNN) </a:t>
-            </a:r>
-            <a:r>
-              <a:rPr lang="en-US" sz="2350" b="0" dirty="0" smtClean="0"/>
-              <a:t>model </a:t>
-            </a:r>
-            <a:r>
-              <a:rPr lang="en-US" sz="2350" b="0" dirty="0" smtClean="0"/>
-              <a:t>achieved </a:t>
-            </a:r>
-            <a:r>
-              <a:rPr lang="en-US" sz="2350" b="0" dirty="0" smtClean="0"/>
-              <a:t>over 99% accuracy in classifying digits from the MNIST dataset, demonstrating their effectiveness. The model's performance was validated by visualizing the training history, showing decreasing loss and increasing accuracy over epochs, highlighting CNNs' power in recognizing handwritten digits for various applications.</a:t>
+              <a:t> Neural Network (CNN) model achieved over 99% accuracy in classifying digits from the MNIST dataset, demonstrating their effectiveness. The model's performance was validated by visualizing the training history, showing decreasing loss and increasing accuracy over epochs, highlighting CNNs' power in recognizing handwritten digits for various applications.</a:t>
             </a:r>
             <a:r>
               <a:rPr lang="en-US" dirty="0" smtClean="0"/>
@@ -3194,7 +3148,15 @@
             </a:r>
             <a:r>
               <a:rPr lang="en-US" sz="2400" b="0" dirty="0" smtClean="0"/>
-              <a:t> model has been successfully developed for handwritten digit recognition with Python, </a:t>
+              <a:t> </a:t>
+            </a:r>
+            <a:r>
+              <a:rPr lang="en-US" sz="2400" b="0" dirty="0" smtClean="0"/>
+              <a:t>model has been </a:t>
+            </a:r>
+            <a:r>
+              <a:rPr lang="en-US" sz="2400" b="0" dirty="0" smtClean="0"/>
+              <a:t>successfully developed for handwritten digit recognition with Python, </a:t>
             </a:r>
             <a:r>
               <a:rPr lang="en-US" sz="2400" b="0" dirty="0" err="1" smtClean="0"/>
@@ -3202,42 +3164,22 @@
             </a:r>
             <a:r>
               <a:rPr lang="en-US" sz="2400" b="0" dirty="0" smtClean="0"/>
-              <a:t>, and Machine Learning libraries. Handwritten Digits have been recognized by </a:t>
-            </a:r>
-            <a:r>
-              <a:rPr lang="en-US" sz="2400" b="0" dirty="0" smtClean="0"/>
-              <a:t>more than</a:t>
+              <a:t>, and Machine Learning libraries. Handwritten Digits have been recognized by more than </a:t>
+            </a:r>
+            <a:r>
+              <a:rPr lang="en-US" sz="2400" dirty="0" smtClean="0"/>
+              <a:t>98.9%</a:t>
             </a:r>
             <a:r>
               <a:rPr lang="en-US" sz="2400" b="0" dirty="0" smtClean="0"/>
               <a:t> </a:t>
-            </a:r>
-            <a:r>
-              <a:rPr lang="en-US" sz="2400" dirty="0" smtClean="0"/>
-              <a:t>98.9</a:t>
-            </a:r>
-            <a:r>
-              <a:rPr lang="en-US" sz="2400" dirty="0" smtClean="0"/>
-              <a:t>%</a:t>
-            </a:r>
-            <a:r>
-              <a:rPr lang="en-US" sz="2400" b="0" dirty="0" smtClean="0"/>
-              <a:t> </a:t>
-            </a:r>
-            <a:r>
-              <a:rPr lang="en-US" sz="2400" b="0" dirty="0" smtClean="0"/>
-              <a:t/>
             </a:r>
             <a:br>
               <a:rPr lang="en-US" sz="2400" b="0" dirty="0" smtClean="0"/>
             </a:br>
             <a:r>
               <a:rPr lang="en-US" sz="2400" b="0" dirty="0" smtClean="0"/>
-              <a:t>validation </a:t>
-            </a:r>
-            <a:r>
-              <a:rPr lang="en-US" sz="2400" b="0" dirty="0" smtClean="0"/>
-              <a:t>accuracy.</a:t>
+              <a:t>validation accuracy.</a:t>
             </a:r>
             <a:endParaRPr sz="2400" dirty="0"/>
           </a:p>
@@ -3898,7 +3840,7 @@
         <p:spPr>
           <a:xfrm>
             <a:off x="739775" y="685800"/>
-            <a:ext cx="10766425" cy="6018314"/>
+            <a:ext cx="10766425" cy="6326091"/>
           </a:xfrm>
           <a:prstGeom prst="rect">
             <a:avLst/>
@@ -3910,14 +3852,6 @@
           </a:bodyPr>
           <a:lstStyle/>
           <a:p>
-            <a:pPr marL="12700" algn="l">
-              <a:lnSpc>
-                <a:spcPct val="100000"/>
-              </a:lnSpc>
-              <a:spcBef>
-                <a:spcPts val="130"/>
-              </a:spcBef>
-            </a:pPr>
             <a:r>
               <a:rPr sz="4250" spc="5" dirty="0" smtClean="0"/>
               <a:t>PROJECT</a:t>
@@ -3964,34 +3898,72 @@
             </a:br>
             <a:r>
               <a:rPr lang="en-US" sz="2200" b="0" dirty="0" smtClean="0"/>
-              <a:t>Handwritten </a:t>
-            </a:r>
-            <a:r>
-              <a:rPr lang="en-US" sz="2200" b="0" dirty="0" smtClean="0"/>
-              <a:t>digit recognition using </a:t>
-            </a:r>
-            <a:r>
-              <a:rPr lang="en-US" sz="2200" b="0" dirty="0" err="1" smtClean="0"/>
-              <a:t>Convolutional</a:t>
-            </a:r>
-            <a:r>
-              <a:rPr lang="en-US" sz="2200" b="0" dirty="0" smtClean="0"/>
-              <a:t> Neural Networks (CNNs) involves loading the MNIST dataset, preprocessing the data, building a CNN model, training it on the dataset, and evaluating its performance. </a:t>
-            </a:r>
-            <a:r>
-              <a:rPr lang="en-US" sz="2200" b="0" dirty="0" smtClean="0"/>
-              <a:t/>
+              <a:t>Handwritten Digit Recognition is the process of digitizing human handwritten digit images. It is a difficult task for the machine because handwritten digits are not perfect and can be made with a variety of flavors. In order to address this issue, we created HDR, which uses the image of a digit to identify the digit that is present in the image.</a:t>
             </a:r>
             <a:br>
               <a:rPr lang="en-US" sz="2200" b="0" dirty="0" smtClean="0"/>
             </a:br>
             <a:r>
               <a:rPr lang="en-US" sz="2200" b="0" dirty="0" smtClean="0"/>
-              <a:t>The </a:t>
+              <a:t>In this project, </a:t>
             </a:r>
             <a:r>
               <a:rPr lang="en-US" sz="2200" b="0" dirty="0" smtClean="0"/>
-              <a:t>CNN architecture typically consists of </a:t>
+              <a:t>a</a:t>
+            </a:r>
+            <a:r>
+              <a:rPr lang="en-US" sz="2200" b="0" dirty="0" smtClean="0"/>
+              <a:t> </a:t>
+            </a:r>
+            <a:r>
+              <a:rPr lang="en-US" sz="2200" b="0" dirty="0" err="1" smtClean="0"/>
+              <a:t>Convolutional</a:t>
+            </a:r>
+            <a:r>
+              <a:rPr lang="en-US" sz="2200" b="0" dirty="0" smtClean="0"/>
+              <a:t> Neural Network</a:t>
+            </a:r>
+            <a:r>
+              <a:rPr lang="en-US" sz="2200" b="0" dirty="0" smtClean="0"/>
+              <a:t> (CNN) </a:t>
+            </a:r>
+            <a:r>
+              <a:rPr lang="en-US" sz="2200" b="0" dirty="0" smtClean="0"/>
+              <a:t>model </a:t>
+            </a:r>
+            <a:r>
+              <a:rPr lang="en-US" sz="2200" b="0" smtClean="0"/>
+              <a:t>has been </a:t>
+            </a:r>
+            <a:r>
+              <a:rPr lang="en-US" sz="2200" b="0" dirty="0" smtClean="0"/>
+              <a:t>developed for</a:t>
+            </a:r>
+            <a:br>
+              <a:rPr lang="en-US" sz="2200" b="0" dirty="0" smtClean="0"/>
+            </a:br>
+            <a:r>
+              <a:rPr lang="en-US" sz="2200" b="0" dirty="0" smtClean="0"/>
+              <a:t>the recognition </a:t>
+            </a:r>
+            <a:r>
+              <a:rPr lang="en-US" sz="2200" b="0" dirty="0" smtClean="0"/>
+              <a:t>of </a:t>
+            </a:r>
+            <a:r>
+              <a:rPr lang="en-US" sz="2200" b="0" dirty="0" smtClean="0"/>
+              <a:t>handwritten digits.</a:t>
+            </a:r>
+            <a:r>
+              <a:rPr lang="en-US" sz="2200" b="0" dirty="0" smtClean="0"/>
+              <a:t/>
+            </a:r>
+            <a:br>
+              <a:rPr lang="en-US" sz="2200" b="0" dirty="0" smtClean="0"/>
+            </a:br>
+            <a:r>
+              <a:rPr lang="en-US" sz="2200" b="0" dirty="0" smtClean="0"/>
+              <a:t>A </a:t>
             </a:r>
             <a:r>
               <a:rPr lang="en-US" sz="2200" b="0" dirty="0" err="1" smtClean="0"/>
@@ -3999,40 +3971,23 @@
             </a:r>
             <a:r>
               <a:rPr lang="en-US" sz="2200" b="0" dirty="0" smtClean="0"/>
-              <a:t> layers to extract features from the images, pooling layers to reduce dimensionality, and fully connected layers for classification. </a:t>
+              <a:t> neural network (CNN, or </a:t>
             </a:r>
             <a:r>
               <a:rPr lang="en-US" sz="2200" b="0" dirty="0" err="1" smtClean="0"/>
-              <a:t>ReLU</a:t>
+              <a:t>ConvNet</a:t>
             </a:r>
             <a:r>
               <a:rPr lang="en-US" sz="2200" b="0" dirty="0" smtClean="0"/>
-              <a:t> activation is commonly used in the hidden layers, and </a:t>
-            </a:r>
-            <a:r>
-              <a:rPr lang="en-US" sz="2200" b="0" dirty="0" err="1" smtClean="0"/>
-              <a:t>softmax</a:t>
-            </a:r>
-            <a:r>
-              <a:rPr lang="en-US" sz="2200" b="0" dirty="0" smtClean="0"/>
-              <a:t> activation in the output layer for multi-class classification. After training, the model is evaluated on a separate test set to measure its </a:t>
-            </a:r>
-            <a:r>
-              <a:rPr lang="en-US" sz="2200" b="0" dirty="0" smtClean="0"/>
-              <a:t>accuracy. Techniques </a:t>
-            </a:r>
-            <a:r>
-              <a:rPr lang="en-US" sz="2200" b="0" dirty="0" smtClean="0"/>
-              <a:t>such as data augmentation and </a:t>
-            </a:r>
-            <a:r>
-              <a:rPr lang="en-US" sz="2200" b="0" dirty="0" err="1" smtClean="0"/>
-              <a:t>hyperparameter</a:t>
-            </a:r>
-            <a:r>
-              <a:rPr lang="en-US" sz="2200" b="0" dirty="0" smtClean="0"/>
-              <a:t> tuning can be used to improve the model's performance. </a:t>
-            </a:r>
+              <a:t>) is a Deep Learning algorithm that can take in an input image, assign learnable weights and biases to various objects in the image and be able to distinguish one from the other.</a:t>
+            </a:r>
+            <a:r>
+              <a:rPr lang="en-US" sz="2400" b="0" dirty="0" smtClean="0"/>
+              <a:t/>
+            </a:r>
+            <a:br>
+              <a:rPr lang="en-US" sz="2400" b="0" dirty="0" smtClean="0"/>
+            </a:br>
             <a:r>
               <a:rPr lang="en-US" sz="2000" b="0" dirty="0" smtClean="0"/>
               <a:t/>
@@ -4807,15 +4762,7 @@
             </a:br>
             <a:r>
               <a:rPr lang="en-US" sz="2800" b="0" dirty="0" smtClean="0"/>
-              <a:t>                    # </a:t>
-            </a:r>
-            <a:r>
-              <a:rPr lang="en-US" sz="2800" b="0" dirty="0" smtClean="0"/>
-              <a:t>Result</a:t>
-            </a:r>
-            <a:r>
-              <a:rPr lang="en-US" sz="2800" b="0" dirty="0" smtClean="0"/>
-              <a:t/>
+              <a:t>                    # Result</a:t>
             </a:r>
             <a:br>
               <a:rPr lang="en-US" sz="2800" b="0" dirty="0" smtClean="0"/>
@@ -5206,10 +5153,6 @@
               <a:rPr lang="en-US" sz="2400" b="0" dirty="0" smtClean="0"/>
               <a:t> Neural Network (CNN) model  for recognizing handwritten digits. The model will be trained on the MNIST dataset, which consists of 28x28 grayscale images of handwritten digits (0-9). </a:t>
             </a:r>
-            <a:r>
-              <a:rPr lang="en-US" sz="2400" b="0" dirty="0" smtClean="0"/>
-              <a:t/>
-            </a:r>
             <a:br>
               <a:rPr lang="en-US" sz="2400" b="0" dirty="0" smtClean="0"/>
             </a:br>
@@ -5222,11 +5165,7 @@
             </a:br>
             <a:r>
               <a:rPr lang="en-US" sz="2400" b="0" dirty="0" smtClean="0"/>
-              <a:t>The </a:t>
-            </a:r>
-            <a:r>
-              <a:rPr lang="en-US" sz="2400" b="0" dirty="0" smtClean="0"/>
-              <a:t>CNN architecture will include </a:t>
+              <a:t>The CNN architecture will include </a:t>
             </a:r>
             <a:r>
               <a:rPr lang="en-US" sz="2400" b="0" dirty="0" err="1" smtClean="0"/>
@@ -5251,10 +5190,6 @@
             <a:r>
               <a:rPr lang="en-US" sz="2400" b="0" dirty="0" smtClean="0"/>
               <a:t> activation for the output layer. The trained model will be evaluated on a separate test set to measure its accuracy. </a:t>
-            </a:r>
-            <a:r>
-              <a:rPr lang="en-US" sz="2400" b="0" dirty="0" smtClean="0"/>
-              <a:t/>
             </a:r>
             <a:br>
               <a:rPr lang="en-US" sz="2400" b="0" dirty="0" smtClean="0"/>
@@ -5268,11 +5203,7 @@
             </a:br>
             <a:r>
               <a:rPr lang="en-US" sz="2400" b="0" dirty="0" smtClean="0"/>
-              <a:t>The </a:t>
-            </a:r>
-            <a:r>
-              <a:rPr lang="en-US" sz="2400" b="0" dirty="0" smtClean="0"/>
-              <a:t>project will also explore techniques to improve the model's performance, such as data augmentation and </a:t>
+              <a:t>The project will also explore techniques to improve the model's performance, such as data augmentation and </a:t>
             </a:r>
             <a:r>
               <a:rPr lang="en-US" sz="2400" b="0" dirty="0" err="1" smtClean="0"/>
@@ -5535,10 +5466,6 @@
               <a:rPr lang="en-US" sz="2400" b="0" dirty="0" smtClean="0"/>
               <a:t> Neural Networks (CNNs) are diverse and include industries and applications where automated digit recognition is beneficial. </a:t>
             </a:r>
-            <a:r>
-              <a:rPr lang="en-US" sz="2400" b="0" dirty="0" smtClean="0"/>
-              <a:t/>
-            </a:r>
             <a:br>
               <a:rPr lang="en-US" sz="2400" b="0" dirty="0" smtClean="0"/>
             </a:br>
@@ -5551,15 +5478,7 @@
             </a:br>
             <a:r>
               <a:rPr lang="en-US" sz="2400" b="0" dirty="0" smtClean="0"/>
-              <a:t>This </a:t>
-            </a:r>
-            <a:r>
-              <a:rPr lang="en-US" sz="2400" b="0" dirty="0" smtClean="0"/>
-              <a:t>includes banking and finance for recognizing handwritten digits on checks, postal services for sorting mail based on handwritten zip codes, educational institutions for grading handwritten exams, and technology companies for developing handwriting recognition features in digital devices. </a:t>
-            </a:r>
-            <a:r>
-              <a:rPr lang="en-US" sz="2400" b="0" dirty="0" smtClean="0"/>
-              <a:t/>
+              <a:t>This includes banking and finance for recognizing handwritten digits on checks, postal services for sorting mail based on handwritten zip codes, educational institutions for grading handwritten exams, and technology companies for developing handwriting recognition features in digital devices. </a:t>
             </a:r>
             <a:br>
               <a:rPr lang="en-US" sz="2400" b="0" dirty="0" smtClean="0"/>
@@ -5573,11 +5492,7 @@
             </a:br>
             <a:r>
               <a:rPr lang="en-US" sz="2400" b="0" dirty="0" smtClean="0"/>
-              <a:t>Additionally</a:t>
-            </a:r>
-            <a:r>
-              <a:rPr lang="en-US" sz="2400" b="0" dirty="0" smtClean="0"/>
-              <a:t>, individuals interested in machine learning and computer vision may also utilize such models for personal projects or research purposes.</a:t>
+              <a:t>Additionally, individuals interested in machine learning and computer vision may also utilize such models for personal projects or research purposes.</a:t>
             </a:r>
             <a:endParaRPr sz="2400" b="0" dirty="0"/>
           </a:p>
@@ -5889,10 +5804,6 @@
               <a:rPr lang="en-US" sz="2400" b="0" dirty="0" smtClean="0"/>
               <a:t> Neural Networks (CNNs) offers a robust and accurate method for automating the recognition of handwritten digits. By leveraging CNNs, the model can effectively learn and extract features from handwritten digits, enabling it to classify them with high accuracy. </a:t>
             </a:r>
-            <a:r>
-              <a:rPr lang="en-US" sz="2400" b="0" dirty="0" smtClean="0"/>
-              <a:t/>
-            </a:r>
             <a:br>
               <a:rPr lang="en-US" sz="2400" b="0" dirty="0" smtClean="0"/>
             </a:br>
@@ -5905,11 +5816,7 @@
             </a:br>
             <a:r>
               <a:rPr lang="en-US" sz="2400" b="0" dirty="0" smtClean="0"/>
-              <a:t>This </a:t>
-            </a:r>
-            <a:r>
-              <a:rPr lang="en-US" sz="2400" b="0" dirty="0" smtClean="0"/>
-              <a:t>solution provides value by streamlining processes that require digit recognition, such as digitizing handwritten documents, sorting mail based on handwritten zip codes, and automating grading of handwritten exams. It offers improved efficiency, accuracy, and cost-effectiveness compared to manual digit recognition methods, making it a valuable tool for industries and applications where digit recognition is essential.</a:t>
+              <a:t>This solution provides value by streamlining processes that require digit recognition, such as digitizing handwritten documents, sorting mail based on handwritten zip codes, and automating grading of handwritten exams. It offers improved efficiency, accuracy, and cost-effectiveness compared to manual digit recognition methods, making it a valuable tool for industries and applications where digit recognition is essential.</a:t>
             </a:r>
             <a:endParaRPr sz="2400" dirty="0"/>
           </a:p>
@@ -6109,10 +6016,6 @@
               <a:rPr lang="en-US" sz="2400" b="0" dirty="0" smtClean="0"/>
               <a:t> Neural Networks (CNNs) for handwritten digit recognition offers a truly remarkable capability to accurately interpret and classify handwritten digits. This technology can transform traditional manual tasks, such as digitizing handwritten documents or grading exams, into seamless and automated processes. </a:t>
             </a:r>
-            <a:r>
-              <a:rPr lang="en-US" sz="2400" b="0" dirty="0" smtClean="0"/>
-              <a:t/>
-            </a:r>
             <a:br>
               <a:rPr lang="en-US" sz="2400" b="0" dirty="0" smtClean="0"/>
             </a:br>
@@ -6125,15 +6028,7 @@
             </a:br>
             <a:r>
               <a:rPr lang="en-US" sz="2400" b="0" dirty="0" smtClean="0"/>
-              <a:t>The </a:t>
-            </a:r>
-            <a:r>
-              <a:rPr lang="en-US" sz="2400" b="0" dirty="0" smtClean="0"/>
-              <a:t>CNN model's ability to learn intricate patterns and features from the input data, coupled with its high accuracy in digit recognition, showcases the power of deep learning in solving complex real-world problems. </a:t>
-            </a:r>
-            <a:r>
-              <a:rPr lang="en-US" sz="2400" b="0" dirty="0" smtClean="0"/>
-              <a:t/>
+              <a:t>The CNN model's ability to learn intricate patterns and features from the input data, coupled with its high accuracy in digit recognition, showcases the power of deep learning in solving complex real-world problems. </a:t>
             </a:r>
             <a:br>
               <a:rPr lang="en-US" sz="2400" b="0" dirty="0" smtClean="0"/>
@@ -6147,11 +6042,7 @@
             </a:br>
             <a:r>
               <a:rPr lang="en-US" sz="2400" b="0" dirty="0" smtClean="0"/>
-              <a:t>Its </a:t>
-            </a:r>
-            <a:r>
-              <a:rPr lang="en-US" sz="2400" b="0" dirty="0" smtClean="0"/>
-              <a:t>potential to significantly enhance productivity and efficiency in various industries is truly impressive, making it a groundbreaking solution in the field of machine learning and computer vision.</a:t>
+              <a:t>Its potential to significantly enhance productivity and efficiency in various industries is truly impressive, making it a groundbreaking solution in the field of machine learning and computer vision.</a:t>
             </a:r>
             <a:endParaRPr sz="2400" dirty="0"/>
           </a:p>
